--- a/docs/slogo_UML.pptx
+++ b/docs/slogo_UML.pptx
@@ -6,6 +6,7 @@
   </p:sldMasterIdLst>
   <p:sldIdLst>
     <p:sldId id="256" r:id="rId2"/>
+    <p:sldId id="257" r:id="rId3"/>
   </p:sldIdLst>
   <p:sldSz cx="9144000" cy="6858000" type="screen4x3"/>
   <p:notesSz cx="6858000" cy="9144000"/>
@@ -106,7 +107,7 @@
   </p:defaultTextStyle>
   <p:extLst>
     <p:ext uri="{EFAFB233-063F-42B5-8137-9DF3F51BA10A}">
-      <p15:sldGuideLst xmlns:p15="http://schemas.microsoft.com/office/powerpoint/2012/main">
+      <p15:sldGuideLst xmlns:p15="http://schemas.microsoft.com/office/powerpoint/2012/main" xmlns="">
         <p15:guide id="1" orient="horz" pos="2160">
           <p15:clr>
             <a:srgbClr val="A4A3A4"/>
@@ -304,7 +305,7 @@
           <a:p>
             <a:fld id="{F2F0874E-9C96-4B08-9A6D-2A115F6F970C}" type="datetimeFigureOut">
               <a:rPr lang="en-US" smtClean="0"/>
-              <a:t>2/19/2014</a:t>
+              <a:t>3/19/2014</a:t>
             </a:fld>
             <a:endParaRPr lang="en-US"/>
           </a:p>
@@ -474,7 +475,7 @@
           <a:p>
             <a:fld id="{F2F0874E-9C96-4B08-9A6D-2A115F6F970C}" type="datetimeFigureOut">
               <a:rPr lang="en-US" smtClean="0"/>
-              <a:t>2/19/2014</a:t>
+              <a:t>3/19/2014</a:t>
             </a:fld>
             <a:endParaRPr lang="en-US"/>
           </a:p>
@@ -654,7 +655,7 @@
           <a:p>
             <a:fld id="{F2F0874E-9C96-4B08-9A6D-2A115F6F970C}" type="datetimeFigureOut">
               <a:rPr lang="en-US" smtClean="0"/>
-              <a:t>2/19/2014</a:t>
+              <a:t>3/19/2014</a:t>
             </a:fld>
             <a:endParaRPr lang="en-US"/>
           </a:p>
@@ -824,7 +825,7 @@
           <a:p>
             <a:fld id="{F2F0874E-9C96-4B08-9A6D-2A115F6F970C}" type="datetimeFigureOut">
               <a:rPr lang="en-US" smtClean="0"/>
-              <a:t>2/19/2014</a:t>
+              <a:t>3/19/2014</a:t>
             </a:fld>
             <a:endParaRPr lang="en-US"/>
           </a:p>
@@ -1070,7 +1071,7 @@
           <a:p>
             <a:fld id="{F2F0874E-9C96-4B08-9A6D-2A115F6F970C}" type="datetimeFigureOut">
               <a:rPr lang="en-US" smtClean="0"/>
-              <a:t>2/19/2014</a:t>
+              <a:t>3/19/2014</a:t>
             </a:fld>
             <a:endParaRPr lang="en-US"/>
           </a:p>
@@ -1358,7 +1359,7 @@
           <a:p>
             <a:fld id="{F2F0874E-9C96-4B08-9A6D-2A115F6F970C}" type="datetimeFigureOut">
               <a:rPr lang="en-US" smtClean="0"/>
-              <a:t>2/19/2014</a:t>
+              <a:t>3/19/2014</a:t>
             </a:fld>
             <a:endParaRPr lang="en-US"/>
           </a:p>
@@ -1780,7 +1781,7 @@
           <a:p>
             <a:fld id="{F2F0874E-9C96-4B08-9A6D-2A115F6F970C}" type="datetimeFigureOut">
               <a:rPr lang="en-US" smtClean="0"/>
-              <a:t>2/19/2014</a:t>
+              <a:t>3/19/2014</a:t>
             </a:fld>
             <a:endParaRPr lang="en-US"/>
           </a:p>
@@ -1898,7 +1899,7 @@
           <a:p>
             <a:fld id="{F2F0874E-9C96-4B08-9A6D-2A115F6F970C}" type="datetimeFigureOut">
               <a:rPr lang="en-US" smtClean="0"/>
-              <a:t>2/19/2014</a:t>
+              <a:t>3/19/2014</a:t>
             </a:fld>
             <a:endParaRPr lang="en-US"/>
           </a:p>
@@ -1993,7 +1994,7 @@
           <a:p>
             <a:fld id="{F2F0874E-9C96-4B08-9A6D-2A115F6F970C}" type="datetimeFigureOut">
               <a:rPr lang="en-US" smtClean="0"/>
-              <a:t>2/19/2014</a:t>
+              <a:t>3/19/2014</a:t>
             </a:fld>
             <a:endParaRPr lang="en-US"/>
           </a:p>
@@ -2270,7 +2271,7 @@
           <a:p>
             <a:fld id="{F2F0874E-9C96-4B08-9A6D-2A115F6F970C}" type="datetimeFigureOut">
               <a:rPr lang="en-US" smtClean="0"/>
-              <a:t>2/19/2014</a:t>
+              <a:t>3/19/2014</a:t>
             </a:fld>
             <a:endParaRPr lang="en-US"/>
           </a:p>
@@ -2523,7 +2524,7 @@
           <a:p>
             <a:fld id="{F2F0874E-9C96-4B08-9A6D-2A115F6F970C}" type="datetimeFigureOut">
               <a:rPr lang="en-US" smtClean="0"/>
-              <a:t>2/19/2014</a:t>
+              <a:t>3/19/2014</a:t>
             </a:fld>
             <a:endParaRPr lang="en-US"/>
           </a:p>
@@ -2736,7 +2737,7 @@
           <a:p>
             <a:fld id="{F2F0874E-9C96-4B08-9A6D-2A115F6F970C}" type="datetimeFigureOut">
               <a:rPr lang="en-US" smtClean="0"/>
-              <a:t>2/19/2014</a:t>
+              <a:t>3/19/2014</a:t>
             </a:fld>
             <a:endParaRPr lang="en-US"/>
           </a:p>
@@ -3163,7 +3164,7 @@
         </p:nvSpPr>
         <p:spPr>
           <a:xfrm>
-            <a:off x="6248400" y="457200"/>
+            <a:off x="5694268" y="304800"/>
             <a:ext cx="2438400" cy="990600"/>
           </a:xfrm>
           <a:prstGeom prst="rect">
@@ -3237,7 +3238,7 @@
             <a:pPr algn="ctr"/>
             <a:r>
               <a:rPr lang="en-US" dirty="0" smtClean="0"/>
-              <a:t>API</a:t>
+              <a:t>Controller</a:t>
             </a:r>
             <a:endParaRPr lang="en-US" dirty="0"/>
           </a:p>
@@ -3413,7 +3414,7 @@
             <a:pPr algn="ctr"/>
             <a:r>
               <a:rPr lang="en-US" dirty="0" smtClean="0"/>
-              <a:t>Objects</a:t>
+              <a:t>Model</a:t>
             </a:r>
             <a:endParaRPr lang="en-US" dirty="0"/>
           </a:p>
@@ -3647,8 +3648,8 @@
         </p:nvCxnSpPr>
         <p:spPr>
           <a:xfrm flipV="1">
-            <a:off x="5694268" y="1447800"/>
-            <a:ext cx="1773332" cy="395988"/>
+            <a:off x="5694268" y="1295400"/>
+            <a:ext cx="1219200" cy="548388"/>
           </a:xfrm>
           <a:prstGeom prst="straightConnector1">
             <a:avLst/>
@@ -4080,6 +4081,638 @@
       </p:par>
     </p:tnLst>
   </p:timing>
+</p:sld>
+</file>
+
+<file path=ppt/slides/slide2.xml><?xml version="1.0" encoding="utf-8"?>
+<p:sld xmlns:a="http://schemas.openxmlformats.org/drawingml/2006/main" xmlns:r="http://schemas.openxmlformats.org/officeDocument/2006/relationships" xmlns:p="http://schemas.openxmlformats.org/presentationml/2006/main">
+  <p:cSld>
+    <p:spTree>
+      <p:nvGrpSpPr>
+        <p:cNvPr id="1" name=""/>
+        <p:cNvGrpSpPr/>
+        <p:nvPr/>
+      </p:nvGrpSpPr>
+      <p:grpSpPr>
+        <a:xfrm>
+          <a:off x="0" y="0"/>
+          <a:ext cx="0" cy="0"/>
+          <a:chOff x="0" y="0"/>
+          <a:chExt cx="0" cy="0"/>
+        </a:xfrm>
+      </p:grpSpPr>
+      <p:sp>
+        <p:nvSpPr>
+          <p:cNvPr id="4" name="TextBox 3"/>
+          <p:cNvSpPr txBox="1"/>
+          <p:nvPr/>
+        </p:nvSpPr>
+        <p:spPr>
+          <a:xfrm>
+            <a:off x="457200" y="457200"/>
+            <a:ext cx="2328586" cy="369332"/>
+          </a:xfrm>
+          <a:prstGeom prst="rect">
+            <a:avLst/>
+          </a:prstGeom>
+          <a:noFill/>
+        </p:spPr>
+        <p:txBody>
+          <a:bodyPr wrap="none" rtlCol="0">
+            <a:spAutoFit/>
+          </a:bodyPr>
+          <a:lstStyle/>
+          <a:p>
+            <a:r>
+              <a:rPr lang="en-US" dirty="0" smtClean="0"/>
+              <a:t>Visualizer Components</a:t>
+            </a:r>
+          </a:p>
+        </p:txBody>
+      </p:sp>
+      <p:sp>
+        <p:nvSpPr>
+          <p:cNvPr id="5" name="Rectangle 4"/>
+          <p:cNvSpPr/>
+          <p:nvPr/>
+        </p:nvSpPr>
+        <p:spPr>
+          <a:xfrm>
+            <a:off x="3782546" y="992210"/>
+            <a:ext cx="1752600" cy="838200"/>
+          </a:xfrm>
+          <a:prstGeom prst="rect">
+            <a:avLst/>
+          </a:prstGeom>
+        </p:spPr>
+        <p:style>
+          <a:lnRef idx="2">
+            <a:schemeClr val="accent1">
+              <a:shade val="50000"/>
+            </a:schemeClr>
+          </a:lnRef>
+          <a:fillRef idx="1">
+            <a:schemeClr val="accent1"/>
+          </a:fillRef>
+          <a:effectRef idx="0">
+            <a:schemeClr val="accent1"/>
+          </a:effectRef>
+          <a:fontRef idx="minor">
+            <a:schemeClr val="lt1"/>
+          </a:fontRef>
+        </p:style>
+        <p:txBody>
+          <a:bodyPr rtlCol="0" anchor="ctr"/>
+          <a:lstStyle/>
+          <a:p>
+            <a:pPr algn="ctr"/>
+            <a:r>
+              <a:rPr lang="en-US" dirty="0" err="1" smtClean="0"/>
+              <a:t>ViewContainer</a:t>
+            </a:r>
+            <a:endParaRPr lang="en-US" dirty="0"/>
+          </a:p>
+        </p:txBody>
+      </p:sp>
+      <p:sp>
+        <p:nvSpPr>
+          <p:cNvPr id="6" name="Rectangle 5"/>
+          <p:cNvSpPr/>
+          <p:nvPr/>
+        </p:nvSpPr>
+        <p:spPr>
+          <a:xfrm>
+            <a:off x="889457" y="2301025"/>
+            <a:ext cx="1502707" cy="762000"/>
+          </a:xfrm>
+          <a:prstGeom prst="rect">
+            <a:avLst/>
+          </a:prstGeom>
+        </p:spPr>
+        <p:style>
+          <a:lnRef idx="2">
+            <a:schemeClr val="accent1">
+              <a:shade val="50000"/>
+            </a:schemeClr>
+          </a:lnRef>
+          <a:fillRef idx="1">
+            <a:schemeClr val="accent1"/>
+          </a:fillRef>
+          <a:effectRef idx="0">
+            <a:schemeClr val="accent1"/>
+          </a:effectRef>
+          <a:fontRef idx="minor">
+            <a:schemeClr val="lt1"/>
+          </a:fontRef>
+        </p:style>
+        <p:txBody>
+          <a:bodyPr rtlCol="0" anchor="ctr"/>
+          <a:lstStyle/>
+          <a:p>
+            <a:pPr algn="ctr"/>
+            <a:r>
+              <a:rPr lang="en-US" dirty="0" smtClean="0"/>
+              <a:t>Workspace (Aggregate Viewer)</a:t>
+            </a:r>
+            <a:endParaRPr lang="en-US" dirty="0"/>
+          </a:p>
+        </p:txBody>
+      </p:sp>
+      <p:sp>
+        <p:nvSpPr>
+          <p:cNvPr id="8" name="Rectangle 7"/>
+          <p:cNvSpPr/>
+          <p:nvPr/>
+        </p:nvSpPr>
+        <p:spPr>
+          <a:xfrm>
+            <a:off x="3901054" y="2286000"/>
+            <a:ext cx="1502707" cy="762000"/>
+          </a:xfrm>
+          <a:prstGeom prst="rect">
+            <a:avLst/>
+          </a:prstGeom>
+        </p:spPr>
+        <p:style>
+          <a:lnRef idx="2">
+            <a:schemeClr val="accent1">
+              <a:shade val="50000"/>
+            </a:schemeClr>
+          </a:lnRef>
+          <a:fillRef idx="1">
+            <a:schemeClr val="accent1"/>
+          </a:fillRef>
+          <a:effectRef idx="0">
+            <a:schemeClr val="accent1"/>
+          </a:effectRef>
+          <a:fontRef idx="minor">
+            <a:schemeClr val="lt1"/>
+          </a:fontRef>
+        </p:style>
+        <p:txBody>
+          <a:bodyPr rtlCol="0" anchor="ctr"/>
+          <a:lstStyle/>
+          <a:p>
+            <a:pPr algn="ctr"/>
+            <a:r>
+              <a:rPr lang="en-US" dirty="0" smtClean="0"/>
+              <a:t>Workspace (Aggregate Viewer)</a:t>
+            </a:r>
+            <a:endParaRPr lang="en-US" dirty="0"/>
+          </a:p>
+        </p:txBody>
+      </p:sp>
+      <p:sp>
+        <p:nvSpPr>
+          <p:cNvPr id="9" name="Rectangle 8"/>
+          <p:cNvSpPr/>
+          <p:nvPr/>
+        </p:nvSpPr>
+        <p:spPr>
+          <a:xfrm>
+            <a:off x="6858000" y="2303172"/>
+            <a:ext cx="1502707" cy="762000"/>
+          </a:xfrm>
+          <a:prstGeom prst="rect">
+            <a:avLst/>
+          </a:prstGeom>
+        </p:spPr>
+        <p:style>
+          <a:lnRef idx="2">
+            <a:schemeClr val="accent1">
+              <a:shade val="50000"/>
+            </a:schemeClr>
+          </a:lnRef>
+          <a:fillRef idx="1">
+            <a:schemeClr val="accent1"/>
+          </a:fillRef>
+          <a:effectRef idx="0">
+            <a:schemeClr val="accent1"/>
+          </a:effectRef>
+          <a:fontRef idx="minor">
+            <a:schemeClr val="lt1"/>
+          </a:fontRef>
+        </p:style>
+        <p:txBody>
+          <a:bodyPr rtlCol="0" anchor="ctr"/>
+          <a:lstStyle/>
+          <a:p>
+            <a:pPr algn="ctr"/>
+            <a:r>
+              <a:rPr lang="en-US" dirty="0" smtClean="0"/>
+              <a:t>Workspace (Aggregate Viewer)</a:t>
+            </a:r>
+            <a:endParaRPr lang="en-US" dirty="0"/>
+          </a:p>
+        </p:txBody>
+      </p:sp>
+      <p:sp>
+        <p:nvSpPr>
+          <p:cNvPr id="10" name="TextBox 9"/>
+          <p:cNvSpPr txBox="1"/>
+          <p:nvPr/>
+        </p:nvSpPr>
+        <p:spPr>
+          <a:xfrm>
+            <a:off x="6097183" y="203881"/>
+            <a:ext cx="2871940" cy="646331"/>
+          </a:xfrm>
+          <a:prstGeom prst="rect">
+            <a:avLst/>
+          </a:prstGeom>
+          <a:noFill/>
+        </p:spPr>
+        <p:txBody>
+          <a:bodyPr wrap="none" rtlCol="0">
+            <a:spAutoFit/>
+          </a:bodyPr>
+          <a:lstStyle/>
+          <a:p>
+            <a:r>
+              <a:rPr lang="en-US" dirty="0" smtClean="0"/>
+              <a:t>Each workspace viewer</a:t>
+            </a:r>
+          </a:p>
+          <a:p>
+            <a:r>
+              <a:rPr lang="en-US" dirty="0" smtClean="0"/>
+              <a:t>contains the same elements.</a:t>
+            </a:r>
+            <a:endParaRPr lang="en-US" dirty="0"/>
+          </a:p>
+        </p:txBody>
+      </p:sp>
+      <p:cxnSp>
+        <p:nvCxnSpPr>
+          <p:cNvPr id="12" name="Straight Arrow Connector 11"/>
+          <p:cNvCxnSpPr>
+            <a:stCxn id="5" idx="2"/>
+            <a:endCxn id="8" idx="0"/>
+          </p:cNvCxnSpPr>
+          <p:nvPr/>
+        </p:nvCxnSpPr>
+        <p:spPr>
+          <a:xfrm flipH="1">
+            <a:off x="4652408" y="1830410"/>
+            <a:ext cx="6438" cy="455590"/>
+          </a:xfrm>
+          <a:prstGeom prst="straightConnector1">
+            <a:avLst/>
+          </a:prstGeom>
+          <a:ln>
+            <a:tailEnd type="arrow"/>
+          </a:ln>
+        </p:spPr>
+        <p:style>
+          <a:lnRef idx="1">
+            <a:schemeClr val="accent1"/>
+          </a:lnRef>
+          <a:fillRef idx="0">
+            <a:schemeClr val="accent1"/>
+          </a:fillRef>
+          <a:effectRef idx="0">
+            <a:schemeClr val="accent1"/>
+          </a:effectRef>
+          <a:fontRef idx="minor">
+            <a:schemeClr val="tx1"/>
+          </a:fontRef>
+        </p:style>
+      </p:cxnSp>
+      <p:sp>
+        <p:nvSpPr>
+          <p:cNvPr id="13" name="Oval 12"/>
+          <p:cNvSpPr/>
+          <p:nvPr/>
+        </p:nvSpPr>
+        <p:spPr>
+          <a:xfrm>
+            <a:off x="678983" y="3957179"/>
+            <a:ext cx="1600200" cy="990600"/>
+          </a:xfrm>
+          <a:prstGeom prst="ellipse">
+            <a:avLst/>
+          </a:prstGeom>
+        </p:spPr>
+        <p:style>
+          <a:lnRef idx="2">
+            <a:schemeClr val="accent1">
+              <a:shade val="50000"/>
+            </a:schemeClr>
+          </a:lnRef>
+          <a:fillRef idx="1">
+            <a:schemeClr val="accent1"/>
+          </a:fillRef>
+          <a:effectRef idx="0">
+            <a:schemeClr val="accent1"/>
+          </a:effectRef>
+          <a:fontRef idx="minor">
+            <a:schemeClr val="lt1"/>
+          </a:fontRef>
+        </p:style>
+        <p:txBody>
+          <a:bodyPr rtlCol="0" anchor="ctr"/>
+          <a:lstStyle/>
+          <a:p>
+            <a:pPr algn="ctr"/>
+            <a:r>
+              <a:rPr lang="en-US" dirty="0" smtClean="0"/>
+              <a:t>Text Input Area</a:t>
+            </a:r>
+            <a:endParaRPr lang="en-US" dirty="0"/>
+          </a:p>
+        </p:txBody>
+      </p:sp>
+      <p:sp>
+        <p:nvSpPr>
+          <p:cNvPr id="14" name="Oval 13"/>
+          <p:cNvSpPr/>
+          <p:nvPr/>
+        </p:nvSpPr>
+        <p:spPr>
+          <a:xfrm>
+            <a:off x="2421871" y="5261629"/>
+            <a:ext cx="1676400" cy="1066800"/>
+          </a:xfrm>
+          <a:prstGeom prst="ellipse">
+            <a:avLst/>
+          </a:prstGeom>
+        </p:spPr>
+        <p:style>
+          <a:lnRef idx="2">
+            <a:schemeClr val="accent1">
+              <a:shade val="50000"/>
+            </a:schemeClr>
+          </a:lnRef>
+          <a:fillRef idx="1">
+            <a:schemeClr val="accent1"/>
+          </a:fillRef>
+          <a:effectRef idx="0">
+            <a:schemeClr val="accent1"/>
+          </a:effectRef>
+          <a:fontRef idx="minor">
+            <a:schemeClr val="lt1"/>
+          </a:fontRef>
+        </p:style>
+        <p:txBody>
+          <a:bodyPr rtlCol="0" anchor="ctr"/>
+          <a:lstStyle/>
+          <a:p>
+            <a:pPr algn="ctr"/>
+            <a:r>
+              <a:rPr lang="en-US" dirty="0" err="1" smtClean="0"/>
+              <a:t>MenuBar</a:t>
+            </a:r>
+            <a:endParaRPr lang="en-US" dirty="0" smtClean="0"/>
+          </a:p>
+        </p:txBody>
+      </p:sp>
+      <p:sp>
+        <p:nvSpPr>
+          <p:cNvPr id="16" name="Oval 15"/>
+          <p:cNvSpPr/>
+          <p:nvPr/>
+        </p:nvSpPr>
+        <p:spPr>
+          <a:xfrm>
+            <a:off x="5029200" y="5255654"/>
+            <a:ext cx="1676400" cy="1066800"/>
+          </a:xfrm>
+          <a:prstGeom prst="ellipse">
+            <a:avLst/>
+          </a:prstGeom>
+        </p:spPr>
+        <p:style>
+          <a:lnRef idx="2">
+            <a:schemeClr val="accent1">
+              <a:shade val="50000"/>
+            </a:schemeClr>
+          </a:lnRef>
+          <a:fillRef idx="1">
+            <a:schemeClr val="accent1"/>
+          </a:fillRef>
+          <a:effectRef idx="0">
+            <a:schemeClr val="accent1"/>
+          </a:effectRef>
+          <a:fontRef idx="minor">
+            <a:schemeClr val="lt1"/>
+          </a:fontRef>
+        </p:style>
+        <p:txBody>
+          <a:bodyPr rtlCol="0" anchor="ctr"/>
+          <a:lstStyle/>
+          <a:p>
+            <a:pPr algn="ctr"/>
+            <a:r>
+              <a:rPr lang="en-US" dirty="0" smtClean="0"/>
+              <a:t>Turtle</a:t>
+            </a:r>
+          </a:p>
+          <a:p>
+            <a:pPr algn="ctr"/>
+            <a:r>
+              <a:rPr lang="en-US" dirty="0" smtClean="0"/>
+              <a:t>Viewer</a:t>
+            </a:r>
+          </a:p>
+        </p:txBody>
+      </p:sp>
+      <p:sp>
+        <p:nvSpPr>
+          <p:cNvPr id="17" name="Oval 16"/>
+          <p:cNvSpPr/>
+          <p:nvPr/>
+        </p:nvSpPr>
+        <p:spPr>
+          <a:xfrm>
+            <a:off x="6795129" y="3994133"/>
+            <a:ext cx="1676400" cy="1066800"/>
+          </a:xfrm>
+          <a:prstGeom prst="ellipse">
+            <a:avLst/>
+          </a:prstGeom>
+        </p:spPr>
+        <p:style>
+          <a:lnRef idx="2">
+            <a:schemeClr val="accent1">
+              <a:shade val="50000"/>
+            </a:schemeClr>
+          </a:lnRef>
+          <a:fillRef idx="1">
+            <a:schemeClr val="accent1"/>
+          </a:fillRef>
+          <a:effectRef idx="0">
+            <a:schemeClr val="accent1"/>
+          </a:effectRef>
+          <a:fontRef idx="minor">
+            <a:schemeClr val="lt1"/>
+          </a:fontRef>
+        </p:style>
+        <p:txBody>
+          <a:bodyPr rtlCol="0" anchor="ctr"/>
+          <a:lstStyle/>
+          <a:p>
+            <a:pPr algn="ctr"/>
+            <a:r>
+              <a:rPr lang="en-US" dirty="0" smtClean="0"/>
+              <a:t>Text Command Output</a:t>
+            </a:r>
+          </a:p>
+        </p:txBody>
+      </p:sp>
+      <p:cxnSp>
+        <p:nvCxnSpPr>
+          <p:cNvPr id="19" name="Straight Arrow Connector 18"/>
+          <p:cNvCxnSpPr>
+            <a:stCxn id="8" idx="2"/>
+            <a:endCxn id="13" idx="7"/>
+          </p:cNvCxnSpPr>
+          <p:nvPr/>
+        </p:nvCxnSpPr>
+        <p:spPr>
+          <a:xfrm flipH="1">
+            <a:off x="2044839" y="3048000"/>
+            <a:ext cx="2607569" cy="1054249"/>
+          </a:xfrm>
+          <a:prstGeom prst="straightConnector1">
+            <a:avLst/>
+          </a:prstGeom>
+          <a:ln>
+            <a:tailEnd type="arrow"/>
+          </a:ln>
+        </p:spPr>
+        <p:style>
+          <a:lnRef idx="1">
+            <a:schemeClr val="accent1"/>
+          </a:lnRef>
+          <a:fillRef idx="0">
+            <a:schemeClr val="accent1"/>
+          </a:fillRef>
+          <a:effectRef idx="0">
+            <a:schemeClr val="accent1"/>
+          </a:effectRef>
+          <a:fontRef idx="minor">
+            <a:schemeClr val="tx1"/>
+          </a:fontRef>
+        </p:style>
+      </p:cxnSp>
+      <p:cxnSp>
+        <p:nvCxnSpPr>
+          <p:cNvPr id="21" name="Straight Arrow Connector 20"/>
+          <p:cNvCxnSpPr>
+            <a:stCxn id="8" idx="2"/>
+            <a:endCxn id="14" idx="7"/>
+          </p:cNvCxnSpPr>
+          <p:nvPr/>
+        </p:nvCxnSpPr>
+        <p:spPr>
+          <a:xfrm flipH="1">
+            <a:off x="3852768" y="3048000"/>
+            <a:ext cx="799640" cy="2369858"/>
+          </a:xfrm>
+          <a:prstGeom prst="straightConnector1">
+            <a:avLst/>
+          </a:prstGeom>
+          <a:ln>
+            <a:tailEnd type="arrow"/>
+          </a:ln>
+        </p:spPr>
+        <p:style>
+          <a:lnRef idx="1">
+            <a:schemeClr val="accent1"/>
+          </a:lnRef>
+          <a:fillRef idx="0">
+            <a:schemeClr val="accent1"/>
+          </a:fillRef>
+          <a:effectRef idx="0">
+            <a:schemeClr val="accent1"/>
+          </a:effectRef>
+          <a:fontRef idx="minor">
+            <a:schemeClr val="tx1"/>
+          </a:fontRef>
+        </p:style>
+      </p:cxnSp>
+      <p:cxnSp>
+        <p:nvCxnSpPr>
+          <p:cNvPr id="23" name="Straight Arrow Connector 22"/>
+          <p:cNvCxnSpPr>
+            <a:stCxn id="8" idx="2"/>
+            <a:endCxn id="16" idx="0"/>
+          </p:cNvCxnSpPr>
+          <p:nvPr/>
+        </p:nvCxnSpPr>
+        <p:spPr>
+          <a:xfrm>
+            <a:off x="4652408" y="3048000"/>
+            <a:ext cx="1214992" cy="2207654"/>
+          </a:xfrm>
+          <a:prstGeom prst="straightConnector1">
+            <a:avLst/>
+          </a:prstGeom>
+          <a:ln>
+            <a:tailEnd type="arrow"/>
+          </a:ln>
+        </p:spPr>
+        <p:style>
+          <a:lnRef idx="1">
+            <a:schemeClr val="accent1"/>
+          </a:lnRef>
+          <a:fillRef idx="0">
+            <a:schemeClr val="accent1"/>
+          </a:fillRef>
+          <a:effectRef idx="0">
+            <a:schemeClr val="accent1"/>
+          </a:effectRef>
+          <a:fontRef idx="minor">
+            <a:schemeClr val="tx1"/>
+          </a:fontRef>
+        </p:style>
+      </p:cxnSp>
+      <p:cxnSp>
+        <p:nvCxnSpPr>
+          <p:cNvPr id="25" name="Straight Arrow Connector 24"/>
+          <p:cNvCxnSpPr>
+            <a:stCxn id="8" idx="2"/>
+            <a:endCxn id="17" idx="1"/>
+          </p:cNvCxnSpPr>
+          <p:nvPr/>
+        </p:nvCxnSpPr>
+        <p:spPr>
+          <a:xfrm>
+            <a:off x="4652408" y="3048000"/>
+            <a:ext cx="2388224" cy="1102362"/>
+          </a:xfrm>
+          <a:prstGeom prst="straightConnector1">
+            <a:avLst/>
+          </a:prstGeom>
+          <a:ln>
+            <a:tailEnd type="arrow"/>
+          </a:ln>
+        </p:spPr>
+        <p:style>
+          <a:lnRef idx="1">
+            <a:schemeClr val="accent1"/>
+          </a:lnRef>
+          <a:fillRef idx="0">
+            <a:schemeClr val="accent1"/>
+          </a:fillRef>
+          <a:effectRef idx="0">
+            <a:schemeClr val="accent1"/>
+          </a:effectRef>
+          <a:fontRef idx="minor">
+            <a:schemeClr val="tx1"/>
+          </a:fontRef>
+        </p:style>
+      </p:cxnSp>
+    </p:spTree>
+    <p:extLst>
+      <p:ext uri="{BB962C8B-B14F-4D97-AF65-F5344CB8AC3E}">
+        <p14:creationId xmlns:p14="http://schemas.microsoft.com/office/powerpoint/2010/main" val="2486344211"/>
+      </p:ext>
+    </p:extLst>
+  </p:cSld>
+  <p:clrMapOvr>
+    <a:masterClrMapping/>
+  </p:clrMapOvr>
 </p:sld>
 </file>
 
